--- a/notes/3_Cybersecurity_Threats_and_Countermeasures.pptx
+++ b/notes/3_Cybersecurity_Threats_and_Countermeasures.pptx
@@ -1256,7 +1256,7 @@
               <a:buNone/>
             </a:pPr>
             <a:r>
-              <a:rPr lang="en-US" sz="1100" b="1" i="0" u="none" strike="noStrike" cap="none">
+              <a:rPr lang="en-US" sz="1100" b="1" i="0" u="none" strike="noStrike" cap="none" dirty="0">
                 <a:solidFill>
                   <a:schemeClr val="dk1"/>
                 </a:solidFill>
@@ -1268,7 +1268,7 @@
               <a:t>Risk Avoidance </a:t>
             </a:r>
             <a:r>
-              <a:rPr lang="en-US" sz="1100" b="0" i="0" u="none" strike="noStrike" cap="none">
+              <a:rPr lang="en-US" sz="1100" b="0" i="0" u="none" strike="noStrike" cap="none" dirty="0">
                 <a:solidFill>
                   <a:schemeClr val="dk1"/>
                 </a:solidFill>
@@ -1292,7 +1292,7 @@
               <a:buNone/>
             </a:pPr>
             <a:r>
-              <a:rPr lang="en-US" sz="1100" b="1" i="0" u="none" strike="noStrike" cap="none">
+              <a:rPr lang="en-US" sz="1100" b="1" i="0" u="none" strike="noStrike" cap="none" dirty="0">
                 <a:solidFill>
                   <a:schemeClr val="dk1"/>
                 </a:solidFill>
@@ -1304,7 +1304,7 @@
               <a:t>Risk Mitigation</a:t>
             </a:r>
             <a:r>
-              <a:rPr lang="en-US" sz="1100" b="0" i="0" u="none" strike="noStrike" cap="none">
+              <a:rPr lang="en-US" sz="1100" b="0" i="0" u="none" strike="noStrike" cap="none" dirty="0">
                 <a:solidFill>
                   <a:schemeClr val="dk1"/>
                 </a:solidFill>
@@ -1328,7 +1328,7 @@
               <a:buNone/>
             </a:pPr>
             <a:r>
-              <a:rPr lang="en-US" sz="1100" b="0" i="0" u="none" strike="noStrike" cap="none">
+              <a:rPr lang="en-US" sz="1100" b="1" i="0" u="none" strike="noStrike" cap="none" dirty="0">
                 <a:solidFill>
                   <a:schemeClr val="dk1"/>
                 </a:solidFill>
@@ -1337,22 +1337,10 @@
                 <a:cs typeface="Arial"/>
                 <a:sym typeface="Arial"/>
               </a:rPr>
-              <a:t>Risk Transference – Placing the responsibility of the threat onto another entity.  An example would be with the purchase of cybersecurity insurance that would pay the fines and damages in the event of a successful attack. </a:t>
-            </a:r>
-          </a:p>
-          <a:p>
-            <a:pPr marL="0" marR="0" lvl="0" indent="0" algn="l" rtl="0">
-              <a:spcBef>
-                <a:spcPts val="0"/>
-              </a:spcBef>
-              <a:spcAft>
-                <a:spcPts val="0"/>
-              </a:spcAft>
-              <a:buSzPct val="25000"/>
-              <a:buNone/>
-            </a:pPr>
-            <a:r>
-              <a:rPr lang="en-US" sz="1100" b="1" i="0" u="none" strike="noStrike" cap="none">
+              <a:t>Risk Transference </a:t>
+            </a:r>
+            <a:r>
+              <a:rPr lang="en-US" sz="1100" b="0" i="0" u="none" strike="noStrike" cap="none" dirty="0">
                 <a:solidFill>
                   <a:schemeClr val="dk1"/>
                 </a:solidFill>
@@ -1361,10 +1349,22 @@
                 <a:cs typeface="Arial"/>
                 <a:sym typeface="Arial"/>
               </a:rPr>
-              <a:t>Risk Acceptance </a:t>
-            </a:r>
-            <a:r>
-              <a:rPr lang="en-US" sz="1100" b="0" i="0" u="none" strike="noStrike" cap="none">
+              <a:t>– Placing the responsibility of the threat onto another entity.  An example would be with the purchase of cybersecurity insurance that would pay the fines and damages in the event of a successful attack. </a:t>
+            </a:r>
+          </a:p>
+          <a:p>
+            <a:pPr marL="0" marR="0" lvl="0" indent="0" algn="l" rtl="0">
+              <a:spcBef>
+                <a:spcPts val="0"/>
+              </a:spcBef>
+              <a:spcAft>
+                <a:spcPts val="0"/>
+              </a:spcAft>
+              <a:buSzPct val="25000"/>
+              <a:buNone/>
+            </a:pPr>
+            <a:r>
+              <a:rPr lang="en-US" sz="1100" b="1" i="0" u="none" strike="noStrike" cap="none" dirty="0">
                 <a:solidFill>
                   <a:schemeClr val="dk1"/>
                 </a:solidFill>
@@ -1373,6 +1373,18 @@
                 <a:cs typeface="Arial"/>
                 <a:sym typeface="Arial"/>
               </a:rPr>
+              <a:t>Risk Acceptance </a:t>
+            </a:r>
+            <a:r>
+              <a:rPr lang="en-US" sz="1100" b="0" i="0" u="none" strike="noStrike" cap="none" dirty="0">
+                <a:solidFill>
+                  <a:schemeClr val="dk1"/>
+                </a:solidFill>
+                <a:latin typeface="Arial"/>
+                <a:ea typeface="Arial"/>
+                <a:cs typeface="Arial"/>
+                <a:sym typeface="Arial"/>
+              </a:rPr>
               <a:t>– A risk handling method in which the organization chooses to do nothing to reduce the likelihood or impact. In many cases, this is a cost-based decision where a risk assessment has determined that the cost of security measure that would be implemented outweighs the anticipated cost of the threat being actualized.</a:t>
             </a:r>
           </a:p>
@@ -1387,7 +1399,7 @@
               <a:buSzPct val="25000"/>
               <a:buNone/>
             </a:pPr>
-            <a:endParaRPr sz="1100" b="0" i="0" u="none" strike="noStrike" cap="none">
+            <a:endParaRPr sz="1100" b="0" i="0" u="none" strike="noStrike" cap="none" dirty="0">
               <a:solidFill>
                 <a:schemeClr val="dk1"/>
               </a:solidFill>
@@ -1409,7 +1421,7 @@
               <a:buNone/>
             </a:pPr>
             <a:r>
-              <a:rPr lang="en-US" sz="1100" b="0" i="0" u="none" strike="noStrike" cap="none">
+              <a:rPr lang="en-US" sz="1100" b="0" i="0" u="none" strike="noStrike" cap="none" dirty="0">
                 <a:solidFill>
                   <a:schemeClr val="dk1"/>
                 </a:solidFill>
@@ -1421,7 +1433,7 @@
               <a:t>The bottom line to effective risk management is to remember that “</a:t>
             </a:r>
             <a:r>
-              <a:rPr lang="en-US" sz="1100" b="1" i="0" u="none" strike="noStrike" cap="none">
+              <a:rPr lang="en-US" sz="1100" b="1" i="0" u="none" strike="noStrike" cap="none" dirty="0">
                 <a:solidFill>
                   <a:schemeClr val="dk1"/>
                 </a:solidFill>
@@ -1433,7 +1445,7 @@
               <a:t>He who defends everything, defends nothing</a:t>
             </a:r>
             <a:r>
-              <a:rPr lang="en-US" sz="1100" b="0" i="0" u="none" strike="noStrike" cap="none">
+              <a:rPr lang="en-US" sz="1100" b="0" i="0" u="none" strike="noStrike" cap="none" dirty="0">
                 <a:solidFill>
                   <a:schemeClr val="dk1"/>
                 </a:solidFill>
@@ -1453,7 +1465,7 @@
               <a:buSzPct val="25000"/>
               <a:buNone/>
             </a:pPr>
-            <a:endParaRPr sz="1100" b="0" i="0" u="none" strike="noStrike" cap="none">
+            <a:endParaRPr sz="1100" b="0" i="0" u="none" strike="noStrike" cap="none" dirty="0">
               <a:solidFill>
                 <a:schemeClr val="dk1"/>
               </a:solidFill>
@@ -1708,7 +1720,7 @@
               <a:buNone/>
             </a:pPr>
             <a:r>
-              <a:rPr lang="en-US" sz="1100" b="0" i="0" u="none" strike="noStrike" cap="none">
+              <a:rPr lang="en-US" sz="1100" b="0" i="0" u="none" strike="noStrike" cap="none" dirty="0">
                 <a:solidFill>
                   <a:schemeClr val="dk1"/>
                 </a:solidFill>
@@ -1731,7 +1743,7 @@
               <a:buSzPct val="25000"/>
               <a:buNone/>
             </a:pPr>
-            <a:endParaRPr sz="1100" b="1" i="0" u="none" strike="noStrike" cap="none">
+            <a:endParaRPr sz="1100" b="1" i="0" u="none" strike="noStrike" cap="none" dirty="0">
               <a:solidFill>
                 <a:schemeClr val="dk1"/>
               </a:solidFill>
@@ -1753,7 +1765,7 @@
               <a:buNone/>
             </a:pPr>
             <a:r>
-              <a:rPr lang="en-US" sz="1100" b="1" i="0" u="none" strike="noStrike" cap="none">
+              <a:rPr lang="en-US" sz="1100" b="1" i="0" u="none" strike="noStrike" cap="none" dirty="0">
                 <a:solidFill>
                   <a:schemeClr val="dk1"/>
                 </a:solidFill>
@@ -1765,7 +1777,7 @@
               <a:t>Script Kiddies </a:t>
             </a:r>
             <a:r>
-              <a:rPr lang="en-US" sz="1100" b="0" i="0" u="none" strike="noStrike" cap="none">
+              <a:rPr lang="en-US" sz="1100" b="0" i="0" u="none" strike="noStrike" cap="none" dirty="0">
                 <a:solidFill>
                   <a:schemeClr val="dk1"/>
                 </a:solidFill>
@@ -1789,7 +1801,7 @@
               <a:buNone/>
             </a:pPr>
             <a:r>
-              <a:rPr lang="en-US" sz="1100" b="1" i="0" u="none" strike="noStrike" cap="none">
+              <a:rPr lang="en-US" sz="1100" b="1" i="0" u="none" strike="noStrike" cap="none" dirty="0">
                 <a:solidFill>
                   <a:schemeClr val="dk1"/>
                 </a:solidFill>
@@ -1801,7 +1813,7 @@
               <a:t>Corporate Spies </a:t>
             </a:r>
             <a:r>
-              <a:rPr lang="en-US" sz="1100" b="0" i="0" u="none" strike="noStrike" cap="none">
+              <a:rPr lang="en-US" sz="1100" b="0" i="0" u="none" strike="noStrike" cap="none" dirty="0">
                 <a:solidFill>
                   <a:schemeClr val="dk1"/>
                 </a:solidFill>
@@ -1825,7 +1837,7 @@
               <a:buNone/>
             </a:pPr>
             <a:r>
-              <a:rPr lang="en-US" sz="1100" b="1" i="0" u="none" strike="noStrike" cap="none">
+              <a:rPr lang="en-US" sz="1100" b="1" i="0" u="none" strike="noStrike" cap="none" dirty="0">
                 <a:solidFill>
                   <a:schemeClr val="dk1"/>
                 </a:solidFill>
@@ -1837,7 +1849,7 @@
               <a:t>Cyber criminals </a:t>
             </a:r>
             <a:r>
-              <a:rPr lang="en-US" sz="1100" b="0" i="0" u="none" strike="noStrike" cap="none">
+              <a:rPr lang="en-US" sz="1100" b="0" i="0" u="none" strike="noStrike" cap="none" dirty="0">
                 <a:solidFill>
                   <a:schemeClr val="dk1"/>
                 </a:solidFill>
@@ -1861,7 +1873,7 @@
               <a:buNone/>
             </a:pPr>
             <a:r>
-              <a:rPr lang="en-US" sz="1100" b="1" i="0" u="none" strike="noStrike" cap="none">
+              <a:rPr lang="en-US" sz="1100" b="1" i="0" u="none" strike="noStrike" cap="none" dirty="0">
                 <a:solidFill>
                   <a:schemeClr val="dk1"/>
                 </a:solidFill>
@@ -1873,7 +1885,7 @@
               <a:t>Hacktivists</a:t>
             </a:r>
             <a:r>
-              <a:rPr lang="en-US" sz="1100" b="0" i="0" u="none" strike="noStrike" cap="none">
+              <a:rPr lang="en-US" sz="1100" b="0" i="0" u="none" strike="noStrike" cap="none" dirty="0">
                 <a:solidFill>
                   <a:schemeClr val="dk1"/>
                 </a:solidFill>
@@ -1897,7 +1909,7 @@
               <a:buNone/>
             </a:pPr>
             <a:r>
-              <a:rPr lang="en-US" sz="1100" b="1" i="0" u="none" strike="noStrike" cap="none">
+              <a:rPr lang="en-US" sz="1100" b="1" i="0" u="none" strike="noStrike" cap="none" dirty="0">
                 <a:solidFill>
                   <a:schemeClr val="dk1"/>
                 </a:solidFill>
@@ -1909,7 +1921,7 @@
               <a:t>Nation State </a:t>
             </a:r>
             <a:r>
-              <a:rPr lang="en-US" sz="1100" b="0" i="0" u="none" strike="noStrike" cap="none">
+              <a:rPr lang="en-US" sz="1100" b="0" i="0" u="none" strike="noStrike" cap="none" dirty="0">
                 <a:solidFill>
                   <a:schemeClr val="dk1"/>
                 </a:solidFill>
@@ -1933,7 +1945,7 @@
               <a:buNone/>
             </a:pPr>
             <a:r>
-              <a:rPr lang="en-US" sz="1100" b="1" i="0" u="none" strike="noStrike" cap="none">
+              <a:rPr lang="en-US" sz="1100" b="1" i="0" u="none" strike="noStrike" cap="none" dirty="0">
                 <a:solidFill>
                   <a:schemeClr val="dk1"/>
                 </a:solidFill>
@@ -1945,7 +1957,7 @@
               <a:t>Insiders </a:t>
             </a:r>
             <a:r>
-              <a:rPr lang="en-US" sz="1100" b="0" i="0" u="none" strike="noStrike" cap="none">
+              <a:rPr lang="en-US" sz="1100" b="0" i="0" u="none" strike="noStrike" cap="none" dirty="0">
                 <a:solidFill>
                   <a:schemeClr val="dk1"/>
                 </a:solidFill>
@@ -1968,7 +1980,7 @@
               <a:buSzPct val="25000"/>
               <a:buNone/>
             </a:pPr>
-            <a:endParaRPr sz="1100" b="0" i="0" u="none" strike="noStrike" cap="none">
+            <a:endParaRPr sz="1100" b="0" i="0" u="none" strike="noStrike" cap="none" dirty="0">
               <a:solidFill>
                 <a:schemeClr val="dk1"/>
               </a:solidFill>
@@ -1989,7 +2001,7 @@
               <a:buSzPct val="25000"/>
               <a:buNone/>
             </a:pPr>
-            <a:endParaRPr sz="1100" b="0" i="0" u="none" strike="noStrike" cap="none">
+            <a:endParaRPr sz="1100" b="0" i="0" u="none" strike="noStrike" cap="none" dirty="0">
               <a:solidFill>
                 <a:schemeClr val="dk1"/>
               </a:solidFill>
@@ -2011,7 +2023,7 @@
               <a:buNone/>
             </a:pPr>
             <a:r>
-              <a:rPr lang="en-US" sz="1100" b="1" i="0" u="none" strike="noStrike" cap="none">
+              <a:rPr lang="en-US" sz="1100" b="0" i="0" u="none" strike="noStrike" cap="none" dirty="0">
                 <a:solidFill>
                   <a:schemeClr val="dk1"/>
                 </a:solidFill>
@@ -2020,19 +2032,7 @@
                 <a:cs typeface="Arial"/>
                 <a:sym typeface="Arial"/>
               </a:rPr>
-              <a:t>Suggested Student Activity:  </a:t>
-            </a:r>
-            <a:r>
-              <a:rPr lang="en-US" sz="1100" b="0" i="0" u="none" strike="noStrike" cap="none">
-                <a:solidFill>
-                  <a:schemeClr val="dk1"/>
-                </a:solidFill>
-                <a:latin typeface="Arial"/>
-                <a:ea typeface="Arial"/>
-                <a:cs typeface="Arial"/>
-                <a:sym typeface="Arial"/>
-              </a:rPr>
-              <a:t>Ask students to visit the FBI’s Internet Crime Complaint Center (IC3) located at https://www.ic3.gov/ and read the press releases and annual reports to fully understand the prevalence and cost of Internet crimes.</a:t>
+              <a:t>You may wish to visit the FBI’s Internet Crime Complaint Center (IC3) located at https://www.ic3.gov/ and read the press releases and annual reports to fully understand the prevalence and cost of Internet crimes.</a:t>
             </a:r>
           </a:p>
           <a:p>
@@ -2046,7 +2046,7 @@
               <a:buSzPct val="25000"/>
               <a:buNone/>
             </a:pPr>
-            <a:endParaRPr sz="1100" b="0" i="0" u="none" strike="noStrike" cap="none">
+            <a:endParaRPr sz="1100" b="0" i="0" u="none" strike="noStrike" cap="none" dirty="0">
               <a:solidFill>
                 <a:schemeClr val="dk1"/>
               </a:solidFill>
@@ -2068,7 +2068,7 @@
               <a:buNone/>
             </a:pPr>
             <a:r>
-              <a:rPr lang="en-US" sz="1100" b="0" i="0" u="none" strike="noStrike" cap="none">
+              <a:rPr lang="en-US" sz="1100" b="0" i="0" u="none" strike="noStrike" cap="none" dirty="0">
                 <a:solidFill>
                   <a:schemeClr val="dk1"/>
                 </a:solidFill>
@@ -2089,7 +2089,7 @@
               <a:buNone/>
             </a:pPr>
             <a:r>
-              <a:rPr lang="en-US" sz="1100" b="0" i="0" u="none" strike="noStrike" cap="none">
+              <a:rPr lang="en-US" sz="1100" b="0" i="0" u="none" strike="noStrike" cap="none" dirty="0">
                 <a:solidFill>
                   <a:schemeClr val="dk1"/>
                 </a:solidFill>
@@ -2327,7 +2327,7 @@
               <a:buNone/>
             </a:pPr>
             <a:r>
-              <a:rPr lang="en-US" sz="1100" b="0" i="0" u="none" strike="noStrike" cap="none">
+              <a:rPr lang="en-US" sz="1100" b="0" i="0" u="none" strike="noStrike" cap="none" dirty="0">
                 <a:solidFill>
                   <a:schemeClr val="dk1"/>
                 </a:solidFill>
@@ -2336,7 +2336,7 @@
                 <a:cs typeface="Arial"/>
                 <a:sym typeface="Arial"/>
               </a:rPr>
-              <a:t>These first few slides attempt to address the question, “Why do we need cybersecurity?”, introducing the students to the very real threats of cyber war and cybercrime.</a:t>
+              <a:t>For the last decade, nation states have been engaging in cyberwar. This is evident from instances such as Stuxnet, where highly sophisticated malware (possibly brought in on USB “thumb drives”) targeting a very specific type of enrichment centrifuge used by Iran’s nuclear program, damaged the devices, significantly delaying Iran’s nuclear development efforts.  Iran purportedly has attempted retaliation for Stuxnet on U.S./Israeli banks.  Other examples include the cyberattacks on Estonia, in 2007, which were attributed to Russian hackers.  These attacks disabled government websites, newspapers, and banks. Even our own recent accusations in December 2016 by U.S. officials of Russian attempts to hack a Burlington, Vermont electrical grid, using malicious code named “Grizzly Steppe”,  indicate a continued, concentrated effort to disrupt critical infrastructure and networks through cyber attacks.  Most countries today have large organizations dedicated to cyber warfare, such as the United States’ Cyber Command (USCYBERCOM), created in 2009, that is responsible for engaging nation state actors both defensively, as well as offensively.</a:t>
             </a:r>
           </a:p>
           <a:p>
@@ -2357,7 +2357,7 @@
               <a:buFont typeface="Arial"/>
               <a:buNone/>
             </a:pPr>
-            <a:endParaRPr sz="1100" b="0" i="0" u="none" strike="noStrike" cap="none">
+            <a:endParaRPr sz="1100" b="0" i="0" u="none" strike="noStrike" cap="none" dirty="0">
               <a:solidFill>
                 <a:schemeClr val="dk1"/>
               </a:solidFill>
@@ -2386,7 +2386,7 @@
               <a:buNone/>
             </a:pPr>
             <a:r>
-              <a:rPr lang="en-US" sz="1100" b="0" i="0" u="none" strike="noStrike" cap="none">
+              <a:rPr lang="en-US" sz="1100" b="1" i="0" u="none" strike="noStrike" cap="none" dirty="0">
                 <a:solidFill>
                   <a:schemeClr val="dk1"/>
                 </a:solidFill>
@@ -2395,7 +2395,7 @@
                 <a:cs typeface="Arial"/>
                 <a:sym typeface="Arial"/>
               </a:rPr>
-              <a:t>For the last decade, nation states have been engaging in cyberwar. This is evident from instances such as Stuxnet, where highly sophisticated malware (possibly brought in on USB “thumb drives”) targeting a very specific type of enrichment centrifuge used by Iran’s nuclear program, damaged the devices, significantly delaying Iran’s nuclear development efforts.  Iran purportedly has attempted retaliation for Stuxnet on U.S./Israeli banks.  Other examples include the cyberattacks on Estonia, in 2007, which were attributed to Russian hackers.  These attacks disabled government websites, newspapers, and banks. Even our own recent accusations in December 2016 by U.S. officials of Russian attempts to hack a Burlington, Vermont electrical grid, using malicious code named “Grizzly Steppe”,  indicate a continued, concentrated effort to disrupt critical infrastructure and networks through cyber attacks.  Most countries today have large organizations dedicated to cyber warfare, such as the United States’ Cyber Command (USCYBERCOM), created in 2009, that is responsible for engaging nation state actors both defensively, as well as offensively.</a:t>
+              <a:t> </a:t>
             </a:r>
           </a:p>
           <a:p>
@@ -2416,7 +2416,7 @@
               <a:buFont typeface="Arial"/>
               <a:buNone/>
             </a:pPr>
-            <a:endParaRPr sz="1100" b="0" i="0" u="none" strike="noStrike" cap="none">
+            <a:endParaRPr sz="1100" b="0" i="0" u="none" strike="noStrike" cap="none" dirty="0">
               <a:solidFill>
                 <a:schemeClr val="dk1"/>
               </a:solidFill>
@@ -2444,38 +2444,7 @@
               <a:buFont typeface="Arial"/>
               <a:buNone/>
             </a:pPr>
-            <a:r>
-              <a:rPr lang="en-US" sz="1100" b="1" i="0" u="none" strike="noStrike" cap="none">
-                <a:solidFill>
-                  <a:schemeClr val="dk1"/>
-                </a:solidFill>
-                <a:latin typeface="Arial"/>
-                <a:ea typeface="Arial"/>
-                <a:cs typeface="Arial"/>
-                <a:sym typeface="Arial"/>
-              </a:rPr>
-              <a:t> </a:t>
-            </a:r>
-          </a:p>
-          <a:p>
-            <a:pPr marL="0" marR="0" lvl="0" indent="0" algn="l" rtl="0">
-              <a:lnSpc>
-                <a:spcPct val="100000"/>
-              </a:lnSpc>
-              <a:spcBef>
-                <a:spcPts val="0"/>
-              </a:spcBef>
-              <a:spcAft>
-                <a:spcPts val="0"/>
-              </a:spcAft>
-              <a:buClr>
-                <a:schemeClr val="dk1"/>
-              </a:buClr>
-              <a:buSzPct val="25000"/>
-              <a:buFont typeface="Arial"/>
-              <a:buNone/>
-            </a:pPr>
-            <a:endParaRPr sz="1100" b="0" i="0" u="none" strike="noStrike" cap="none">
+            <a:endParaRPr sz="1100" b="0" i="0" u="none" strike="noStrike" cap="none" dirty="0">
               <a:solidFill>
                 <a:schemeClr val="dk1"/>
               </a:solidFill>
@@ -2503,7 +2472,7 @@
               <a:buFont typeface="Arial"/>
               <a:buNone/>
             </a:pPr>
-            <a:endParaRPr sz="1100" b="0" i="0" u="none" strike="noStrike" cap="none">
+            <a:endParaRPr sz="1100" b="0" i="0" u="none" strike="noStrike" cap="none" dirty="0">
               <a:solidFill>
                 <a:schemeClr val="dk1"/>
               </a:solidFill>
@@ -2531,7 +2500,31 @@
               <a:buFont typeface="Arial"/>
               <a:buNone/>
             </a:pPr>
-            <a:endParaRPr sz="1100" b="0" i="0" u="none" strike="noStrike" cap="none">
+            <a:r>
+              <a:rPr lang="en-US" sz="1100" b="0" i="0" u="none" strike="noStrike" cap="none" dirty="0">
+                <a:solidFill>
+                  <a:schemeClr val="dk1"/>
+                </a:solidFill>
+                <a:latin typeface="Arial"/>
+                <a:ea typeface="Arial"/>
+                <a:cs typeface="Arial"/>
+                <a:sym typeface="Arial"/>
+              </a:rPr>
+              <a:t>  </a:t>
+            </a:r>
+          </a:p>
+          <a:p>
+            <a:pPr marL="0" marR="0" lvl="0" indent="0" algn="l" rtl="0">
+              <a:spcBef>
+                <a:spcPts val="0"/>
+              </a:spcBef>
+              <a:spcAft>
+                <a:spcPts val="0"/>
+              </a:spcAft>
+              <a:buSzPct val="25000"/>
+              <a:buNone/>
+            </a:pPr>
+            <a:endParaRPr sz="1100" b="0" i="0" u="none" strike="noStrike" cap="none" dirty="0">
               <a:solidFill>
                 <a:schemeClr val="dk1"/>
               </a:solidFill>
@@ -2543,65 +2536,13 @@
           </a:p>
           <a:p>
             <a:pPr marL="0" marR="0" lvl="0" indent="0" algn="l" rtl="0">
-              <a:lnSpc>
-                <a:spcPct val="100000"/>
-              </a:lnSpc>
-              <a:spcBef>
-                <a:spcPts val="0"/>
-              </a:spcBef>
-              <a:spcAft>
-                <a:spcPts val="0"/>
-              </a:spcAft>
-              <a:buClr>
-                <a:schemeClr val="dk1"/>
-              </a:buClr>
+              <a:spcBef>
+                <a:spcPts val="0"/>
+              </a:spcBef>
               <a:buSzPct val="25000"/>
-              <a:buFont typeface="Arial"/>
-              <a:buNone/>
-            </a:pPr>
-            <a:r>
-              <a:rPr lang="en-US" sz="1100" b="0" i="0" u="none" strike="noStrike" cap="none">
-                <a:solidFill>
-                  <a:schemeClr val="dk1"/>
-                </a:solidFill>
-                <a:latin typeface="Arial"/>
-                <a:ea typeface="Arial"/>
-                <a:cs typeface="Arial"/>
-                <a:sym typeface="Arial"/>
-              </a:rPr>
-              <a:t>  </a:t>
-            </a:r>
-          </a:p>
-          <a:p>
-            <a:pPr marL="0" marR="0" lvl="0" indent="0" algn="l" rtl="0">
-              <a:spcBef>
-                <a:spcPts val="0"/>
-              </a:spcBef>
-              <a:spcAft>
-                <a:spcPts val="0"/>
-              </a:spcAft>
-              <a:buSzPct val="25000"/>
-              <a:buNone/>
-            </a:pPr>
-            <a:endParaRPr sz="1100" b="0" i="0" u="none" strike="noStrike" cap="none">
-              <a:solidFill>
-                <a:schemeClr val="dk1"/>
-              </a:solidFill>
-              <a:latin typeface="Arial"/>
-              <a:ea typeface="Arial"/>
-              <a:cs typeface="Arial"/>
-              <a:sym typeface="Arial"/>
-            </a:endParaRPr>
-          </a:p>
-          <a:p>
-            <a:pPr marL="0" marR="0" lvl="0" indent="0" algn="l" rtl="0">
-              <a:spcBef>
-                <a:spcPts val="0"/>
-              </a:spcBef>
-              <a:buSzPct val="25000"/>
-              <a:buNone/>
-            </a:pPr>
-            <a:endParaRPr sz="1100" b="0" i="0" u="none" strike="noStrike" cap="none">
+              <a:buNone/>
+            </a:pPr>
+            <a:endParaRPr sz="1100" b="0" i="0" u="none" strike="noStrike" cap="none" dirty="0">
               <a:solidFill>
                 <a:schemeClr val="dk1"/>
               </a:solidFill>
@@ -2736,7 +2677,7 @@
               <a:buNone/>
             </a:pPr>
             <a:r>
-              <a:rPr lang="en-US" sz="1100" b="0" i="0" u="none" strike="noStrike" cap="none">
+              <a:rPr lang="en-US" sz="1100" b="0" i="0" u="none" strike="noStrike" cap="none" dirty="0">
                 <a:solidFill>
                   <a:schemeClr val="dk1"/>
                 </a:solidFill>
@@ -2766,7 +2707,7 @@
               <a:buFont typeface="Arial"/>
               <a:buNone/>
             </a:pPr>
-            <a:endParaRPr sz="1100" b="0" i="0" u="none" strike="noStrike" cap="none">
+            <a:endParaRPr sz="1100" b="0" i="0" u="none" strike="noStrike" cap="none" dirty="0">
               <a:solidFill>
                 <a:schemeClr val="dk1"/>
               </a:solidFill>
@@ -2794,7 +2735,7 @@
               <a:buFont typeface="Arial"/>
               <a:buNone/>
             </a:pPr>
-            <a:endParaRPr sz="1100" b="0" i="0" u="none" strike="noStrike" cap="none">
+            <a:endParaRPr sz="1100" b="0" i="0" u="none" strike="noStrike" cap="none" dirty="0">
               <a:solidFill>
                 <a:schemeClr val="dk1"/>
               </a:solidFill>
@@ -2823,7 +2764,7 @@
               <a:buNone/>
             </a:pPr>
             <a:r>
-              <a:rPr lang="en-US" sz="1100" b="1" i="0" u="none" strike="noStrike" cap="none">
+              <a:rPr lang="en-US" sz="1100" b="1" i="0" u="none" strike="noStrike" cap="none" dirty="0">
                 <a:solidFill>
                   <a:schemeClr val="dk1"/>
                 </a:solidFill>
@@ -2832,7 +2773,7 @@
                 <a:cs typeface="Arial"/>
                 <a:sym typeface="Arial"/>
               </a:rPr>
-              <a:t>Exercise 1:  Have students find and discuss articles relating to instances of cyber warfare on the critical infrastructure sectors cited above and complete Exercise 1.</a:t>
+              <a:t> </a:t>
             </a:r>
           </a:p>
           <a:p>
@@ -2853,36 +2794,8 @@
               <a:buFont typeface="Arial"/>
               <a:buNone/>
             </a:pPr>
-            <a:endParaRPr sz="1100" b="0" i="0" u="none" strike="noStrike" cap="none">
-              <a:solidFill>
-                <a:schemeClr val="dk1"/>
-              </a:solidFill>
-              <a:latin typeface="Arial"/>
-              <a:ea typeface="Arial"/>
-              <a:cs typeface="Arial"/>
-              <a:sym typeface="Arial"/>
-            </a:endParaRPr>
-          </a:p>
-          <a:p>
-            <a:pPr marL="0" marR="0" lvl="0" indent="0" algn="l" rtl="0">
-              <a:lnSpc>
-                <a:spcPct val="100000"/>
-              </a:lnSpc>
-              <a:spcBef>
-                <a:spcPts val="0"/>
-              </a:spcBef>
-              <a:spcAft>
-                <a:spcPts val="0"/>
-              </a:spcAft>
-              <a:buClr>
-                <a:schemeClr val="dk1"/>
-              </a:buClr>
-              <a:buSzPct val="25000"/>
-              <a:buFont typeface="Arial"/>
-              <a:buNone/>
-            </a:pPr>
-            <a:r>
-              <a:rPr lang="en-US" sz="1100" b="1" i="0" u="none" strike="noStrike" cap="none">
+            <a:r>
+              <a:rPr lang="en-US" sz="1100" b="1" i="0" u="none" strike="noStrike" cap="none" dirty="0">
                 <a:solidFill>
                   <a:schemeClr val="dk1"/>
                 </a:solidFill>
@@ -2896,44 +2809,13 @@
           </a:p>
           <a:p>
             <a:pPr marL="0" marR="0" lvl="0" indent="0" algn="l" rtl="0">
-              <a:lnSpc>
-                <a:spcPct val="100000"/>
-              </a:lnSpc>
-              <a:spcBef>
-                <a:spcPts val="0"/>
-              </a:spcBef>
-              <a:spcAft>
-                <a:spcPts val="0"/>
-              </a:spcAft>
-              <a:buClr>
-                <a:schemeClr val="dk1"/>
-              </a:buClr>
+              <a:spcBef>
+                <a:spcPts val="0"/>
+              </a:spcBef>
               <a:buSzPct val="25000"/>
-              <a:buFont typeface="Arial"/>
-              <a:buNone/>
-            </a:pPr>
-            <a:r>
-              <a:rPr lang="en-US" sz="1100" b="1" i="0" u="none" strike="noStrike" cap="none">
-                <a:solidFill>
-                  <a:schemeClr val="dk1"/>
-                </a:solidFill>
-                <a:latin typeface="Arial"/>
-                <a:ea typeface="Arial"/>
-                <a:cs typeface="Arial"/>
-                <a:sym typeface="Arial"/>
-              </a:rPr>
-              <a:t> </a:t>
-            </a:r>
-          </a:p>
-          <a:p>
-            <a:pPr marL="0" marR="0" lvl="0" indent="0" algn="l" rtl="0">
-              <a:spcBef>
-                <a:spcPts val="0"/>
-              </a:spcBef>
-              <a:buSzPct val="25000"/>
-              <a:buNone/>
-            </a:pPr>
-            <a:endParaRPr sz="1100" b="0" i="0" u="none" strike="noStrike" cap="none">
+              <a:buNone/>
+            </a:pPr>
+            <a:endParaRPr sz="1100" b="0" i="0" u="none" strike="noStrike" cap="none" dirty="0">
               <a:solidFill>
                 <a:schemeClr val="dk1"/>
               </a:solidFill>
@@ -3061,7 +2943,7 @@
               <a:buNone/>
             </a:pPr>
             <a:r>
-              <a:rPr lang="en-US" sz="1100" b="0" i="0" u="none" strike="noStrike" cap="none">
+              <a:rPr lang="en-US" sz="1100" b="0" i="0" u="none" strike="noStrike" cap="none" dirty="0">
                 <a:solidFill>
                   <a:schemeClr val="dk1"/>
                 </a:solidFill>
@@ -3084,7 +2966,7 @@
               <a:buSzPct val="25000"/>
               <a:buNone/>
             </a:pPr>
-            <a:endParaRPr sz="1100" b="0" i="0" u="none" strike="noStrike" cap="none">
+            <a:endParaRPr sz="1100" b="0" i="0" u="none" strike="noStrike" cap="none" dirty="0">
               <a:solidFill>
                 <a:schemeClr val="dk1"/>
               </a:solidFill>
@@ -3095,18 +2977,8 @@
             </a:endParaRPr>
           </a:p>
           <a:p>
-            <a:pPr marL="0" marR="0" lvl="0" indent="0" algn="l" rtl="0">
-              <a:spcBef>
-                <a:spcPts val="0"/>
-              </a:spcBef>
-              <a:spcAft>
-                <a:spcPts val="0"/>
-              </a:spcAft>
-              <a:buSzPct val="25000"/>
-              <a:buNone/>
-            </a:pPr>
-            <a:r>
-              <a:rPr lang="en-US" sz="1100" b="0" i="0" u="none" strike="noStrike" cap="none">
+            <a:r>
+              <a:rPr lang="en-US" sz="1100" b="0" i="0" u="none" strike="noStrike" cap="none" dirty="0">
                 <a:solidFill>
                   <a:schemeClr val="dk1"/>
                 </a:solidFill>
@@ -3115,7 +2987,207 @@
                 <a:cs typeface="Arial"/>
                 <a:sym typeface="Arial"/>
               </a:rPr>
-              <a:t>In 2011, theft of intellectual property in the U.S. had cost billions of dollars in lost revenue, amounting to 2.2 million lost jobs. 90% of this theft attributable to China (US International Trade Commission, 2011). This was confirmed in 2015 by in a survey performed by the FBI which saw a significant increase in 2015 of economic espionage over the previous year, 95% of which was, again, attributed to China.  Bruer (2015).</a:t>
+              <a:t>Theft of intellectual property in the U.S. had cost billions of dollars in lost revenue. </a:t>
+            </a:r>
+            <a:r>
+              <a:rPr lang="en-US" sz="1100" b="0" i="0" u="none" strike="noStrike" kern="1200" cap="none" dirty="0">
+                <a:solidFill>
+                  <a:schemeClr val="dk1"/>
+                </a:solidFill>
+                <a:effectLst/>
+                <a:latin typeface="Arial"/>
+                <a:ea typeface="Arial"/>
+                <a:cs typeface="Arial"/>
+                <a:sym typeface="Arial"/>
+              </a:rPr>
+              <a:t>The Office of the United States Trade Representative (USTR) recently released the</a:t>
+            </a:r>
+            <a:r>
+              <a:rPr lang="en-US" sz="1100" b="0" i="0" u="none" strike="noStrike" kern="1200" cap="none" dirty="0">
+                <a:solidFill>
+                  <a:schemeClr val="dk1"/>
+                </a:solidFill>
+                <a:effectLst/>
+                <a:latin typeface="Arial"/>
+                <a:ea typeface="Arial"/>
+                <a:cs typeface="Arial"/>
+                <a:sym typeface="Arial"/>
+                <a:hlinkClick r:id="rId3"/>
+              </a:rPr>
+              <a:t> “2023 Special 301 Report,”</a:t>
+            </a:r>
+            <a:r>
+              <a:rPr lang="en-US" sz="1100" b="0" i="0" u="none" strike="noStrike" kern="1200" cap="none" dirty="0">
+                <a:solidFill>
+                  <a:schemeClr val="dk1"/>
+                </a:solidFill>
+                <a:effectLst/>
+                <a:latin typeface="Arial"/>
+                <a:ea typeface="Arial"/>
+                <a:cs typeface="Arial"/>
+                <a:sym typeface="Arial"/>
+              </a:rPr>
+              <a:t> an annual review that serves as a barometer for the state of intellectual property (IP) protection and enforcement across the globe. This report is a crucial tool for U.S. policymakers, businesses, and IP rights holders, offering insights into the countries that pose significant challenges in IP protection.</a:t>
+            </a:r>
+          </a:p>
+          <a:p>
+            <a:endParaRPr lang="en-US" sz="1100" b="0" i="0" u="none" strike="noStrike" kern="1200" cap="none" dirty="0">
+              <a:solidFill>
+                <a:schemeClr val="dk1"/>
+              </a:solidFill>
+              <a:effectLst/>
+              <a:latin typeface="Arial"/>
+              <a:ea typeface="Arial"/>
+              <a:cs typeface="Arial"/>
+              <a:sym typeface="Arial"/>
+            </a:endParaRPr>
+          </a:p>
+          <a:p>
+            <a:r>
+              <a:rPr lang="en-US" sz="1100" b="0" i="0" u="none" strike="noStrike" kern="1200" cap="none" dirty="0">
+                <a:solidFill>
+                  <a:schemeClr val="dk1"/>
+                </a:solidFill>
+                <a:effectLst/>
+                <a:latin typeface="Arial"/>
+                <a:ea typeface="Arial"/>
+                <a:cs typeface="Arial"/>
+                <a:sym typeface="Arial"/>
+              </a:rPr>
+              <a:t>A key piece of this report was identifying and describing trade partners who pose issues to the US’s IP protections. Countries that made this year’s priority list include:</a:t>
+            </a:r>
+          </a:p>
+          <a:p>
+            <a:pPr marL="171450" indent="-171450">
+              <a:buFont typeface="Arial" panose="020B0604020202020204" pitchFamily="34" charset="0"/>
+              <a:buChar char="•"/>
+            </a:pPr>
+            <a:r>
+              <a:rPr lang="en-US" sz="1100" b="0" i="0" u="none" strike="noStrike" kern="1200" cap="none" dirty="0">
+                <a:solidFill>
+                  <a:schemeClr val="dk1"/>
+                </a:solidFill>
+                <a:effectLst/>
+                <a:latin typeface="Arial"/>
+                <a:ea typeface="Arial"/>
+                <a:cs typeface="Arial"/>
+                <a:sym typeface="Arial"/>
+              </a:rPr>
+              <a:t>Argentina</a:t>
+            </a:r>
+          </a:p>
+          <a:p>
+            <a:pPr marL="171450" indent="-171450">
+              <a:buFont typeface="Arial" panose="020B0604020202020204" pitchFamily="34" charset="0"/>
+              <a:buChar char="•"/>
+            </a:pPr>
+            <a:r>
+              <a:rPr lang="en-US" sz="1100" b="0" i="0" u="none" strike="noStrike" kern="1200" cap="none" dirty="0">
+                <a:solidFill>
+                  <a:schemeClr val="dk1"/>
+                </a:solidFill>
+                <a:effectLst/>
+                <a:latin typeface="Arial"/>
+                <a:ea typeface="Arial"/>
+                <a:cs typeface="Arial"/>
+                <a:sym typeface="Arial"/>
+              </a:rPr>
+              <a:t>Chile</a:t>
+            </a:r>
+          </a:p>
+          <a:p>
+            <a:pPr marL="171450" indent="-171450">
+              <a:buFont typeface="Arial" panose="020B0604020202020204" pitchFamily="34" charset="0"/>
+              <a:buChar char="•"/>
+            </a:pPr>
+            <a:r>
+              <a:rPr lang="en-US" sz="1100" b="0" i="0" u="none" strike="noStrike" kern="1200" cap="none" dirty="0">
+                <a:solidFill>
+                  <a:schemeClr val="dk1"/>
+                </a:solidFill>
+                <a:effectLst/>
+                <a:latin typeface="Arial"/>
+                <a:ea typeface="Arial"/>
+                <a:cs typeface="Arial"/>
+                <a:sym typeface="Arial"/>
+              </a:rPr>
+              <a:t>China</a:t>
+            </a:r>
+          </a:p>
+          <a:p>
+            <a:pPr marL="171450" indent="-171450">
+              <a:buFont typeface="Arial" panose="020B0604020202020204" pitchFamily="34" charset="0"/>
+              <a:buChar char="•"/>
+            </a:pPr>
+            <a:r>
+              <a:rPr lang="en-US" sz="1100" b="0" i="0" u="none" strike="noStrike" kern="1200" cap="none" dirty="0">
+                <a:solidFill>
+                  <a:schemeClr val="dk1"/>
+                </a:solidFill>
+                <a:effectLst/>
+                <a:latin typeface="Arial"/>
+                <a:ea typeface="Arial"/>
+                <a:cs typeface="Arial"/>
+                <a:sym typeface="Arial"/>
+              </a:rPr>
+              <a:t>India</a:t>
+            </a:r>
+          </a:p>
+          <a:p>
+            <a:pPr marL="171450" indent="-171450">
+              <a:buFont typeface="Arial" panose="020B0604020202020204" pitchFamily="34" charset="0"/>
+              <a:buChar char="•"/>
+            </a:pPr>
+            <a:r>
+              <a:rPr lang="en-US" sz="1100" b="0" i="0" u="none" strike="noStrike" kern="1200" cap="none" dirty="0">
+                <a:solidFill>
+                  <a:schemeClr val="dk1"/>
+                </a:solidFill>
+                <a:effectLst/>
+                <a:latin typeface="Arial"/>
+                <a:ea typeface="Arial"/>
+                <a:cs typeface="Arial"/>
+                <a:sym typeface="Arial"/>
+              </a:rPr>
+              <a:t>Indonesia</a:t>
+            </a:r>
+          </a:p>
+          <a:p>
+            <a:pPr marL="171450" indent="-171450">
+              <a:buFont typeface="Arial" panose="020B0604020202020204" pitchFamily="34" charset="0"/>
+              <a:buChar char="•"/>
+            </a:pPr>
+            <a:r>
+              <a:rPr lang="en-US" sz="1100" b="0" i="0" u="none" strike="noStrike" kern="1200" cap="none" dirty="0">
+                <a:solidFill>
+                  <a:schemeClr val="dk1"/>
+                </a:solidFill>
+                <a:effectLst/>
+                <a:latin typeface="Arial"/>
+                <a:ea typeface="Arial"/>
+                <a:cs typeface="Arial"/>
+                <a:sym typeface="Arial"/>
+              </a:rPr>
+              <a:t>Russia</a:t>
+            </a:r>
+          </a:p>
+          <a:p>
+            <a:pPr marL="171450" indent="-171450">
+              <a:buFont typeface="Arial" panose="020B0604020202020204" pitchFamily="34" charset="0"/>
+              <a:buChar char="•"/>
+            </a:pPr>
+            <a:r>
+              <a:rPr lang="en-US" sz="1100" b="0" i="0" u="none" strike="noStrike" kern="1200" cap="none" dirty="0">
+                <a:solidFill>
+                  <a:schemeClr val="dk1"/>
+                </a:solidFill>
+                <a:effectLst/>
+                <a:latin typeface="Arial"/>
+                <a:ea typeface="Arial"/>
+                <a:cs typeface="Arial"/>
+                <a:sym typeface="Arial"/>
+              </a:rPr>
+              <a:t>Venezuela</a:t>
             </a:r>
           </a:p>
           <a:p>
@@ -3129,7 +3201,7 @@
               <a:buSzPct val="25000"/>
               <a:buNone/>
             </a:pPr>
-            <a:endParaRPr sz="1100" b="0" i="0" u="none" strike="noStrike" cap="none">
+            <a:endParaRPr sz="1100" b="0" i="0" u="none" strike="noStrike" cap="none" dirty="0">
               <a:solidFill>
                 <a:schemeClr val="dk1"/>
               </a:solidFill>
@@ -3144,14 +3216,11 @@
               <a:spcBef>
                 <a:spcPts val="0"/>
               </a:spcBef>
-              <a:spcAft>
-                <a:spcPts val="0"/>
-              </a:spcAft>
               <a:buSzPct val="25000"/>
               <a:buNone/>
             </a:pPr>
             <a:r>
-              <a:rPr lang="en-US" sz="1100" b="1" i="0" u="none" strike="noStrike" cap="none">
+              <a:rPr lang="en-US" sz="1100" b="0" i="0" u="none" strike="noStrike" cap="none" dirty="0">
                 <a:solidFill>
                   <a:schemeClr val="dk1"/>
                 </a:solidFill>
@@ -3160,186 +3229,9 @@
                 <a:cs typeface="Arial"/>
                 <a:sym typeface="Arial"/>
               </a:rPr>
-              <a:t>Suggested Activity:  </a:t>
-            </a:r>
-            <a:r>
-              <a:rPr lang="en-US" sz="1100" b="0" i="0" u="none" strike="noStrike" cap="none">
-                <a:solidFill>
-                  <a:schemeClr val="dk1"/>
-                </a:solidFill>
-                <a:latin typeface="Arial"/>
-                <a:ea typeface="Arial"/>
-                <a:cs typeface="Arial"/>
-                <a:sym typeface="Arial"/>
-              </a:rPr>
-              <a:t>Have students review the FBI siteat https://www.fbi.gov/investigate/white-collar-crime/piracy-ip-theft  that addresses economic espionage and intellectual theft and watch the FBI-produced movie  “The Company Man:  Protecting America’s Secrets” at http://www.cnn.com/2015/07/24/politics/fbi-economic-espionage/ that seeks to raise awareness of economic espionage threats.  </a:t>
-            </a:r>
-          </a:p>
-          <a:p>
-            <a:pPr marL="0" marR="0" lvl="0" indent="0" algn="l" rtl="0">
-              <a:spcBef>
-                <a:spcPts val="0"/>
-              </a:spcBef>
-              <a:spcAft>
-                <a:spcPts val="0"/>
-              </a:spcAft>
-              <a:buSzPct val="25000"/>
-              <a:buNone/>
-            </a:pPr>
-            <a:endParaRPr sz="1100" b="0" i="0" u="none" strike="noStrike" cap="none">
-              <a:solidFill>
-                <a:schemeClr val="dk1"/>
-              </a:solidFill>
-              <a:latin typeface="Arial"/>
-              <a:ea typeface="Arial"/>
-              <a:cs typeface="Arial"/>
-              <a:sym typeface="Arial"/>
-            </a:endParaRPr>
-          </a:p>
-          <a:p>
-            <a:pPr marL="0" marR="0" lvl="0" indent="0" algn="l" rtl="0">
-              <a:spcBef>
-                <a:spcPts val="0"/>
-              </a:spcBef>
-              <a:spcAft>
-                <a:spcPts val="0"/>
-              </a:spcAft>
-              <a:buSzPct val="25000"/>
-              <a:buNone/>
-            </a:pPr>
-            <a:r>
-              <a:rPr lang="en-US" sz="1100" b="0" i="0" u="none" strike="noStrike" cap="none">
-                <a:solidFill>
-                  <a:schemeClr val="dk1"/>
-                </a:solidFill>
-                <a:latin typeface="Arial"/>
-                <a:ea typeface="Arial"/>
-                <a:cs typeface="Arial"/>
-                <a:sym typeface="Arial"/>
-              </a:rPr>
-              <a:t>Sources:</a:t>
-            </a:r>
-          </a:p>
-          <a:p>
-            <a:pPr marL="0" marR="0" lvl="0" indent="0" algn="l" rtl="0">
-              <a:spcBef>
-                <a:spcPts val="0"/>
-              </a:spcBef>
-              <a:spcAft>
-                <a:spcPts val="0"/>
-              </a:spcAft>
-              <a:buSzPct val="25000"/>
-              <a:buNone/>
-            </a:pPr>
-            <a:endParaRPr sz="1100" b="0" i="0" u="none" strike="noStrike" cap="none">
-              <a:solidFill>
-                <a:schemeClr val="dk1"/>
-              </a:solidFill>
-              <a:latin typeface="Arial"/>
-              <a:ea typeface="Arial"/>
-              <a:cs typeface="Arial"/>
-              <a:sym typeface="Arial"/>
-            </a:endParaRPr>
-          </a:p>
-          <a:p>
-            <a:pPr marL="0" marR="0" lvl="0" indent="0" algn="l" rtl="0">
-              <a:spcBef>
-                <a:spcPts val="0"/>
-              </a:spcBef>
-              <a:spcAft>
-                <a:spcPts val="0"/>
-              </a:spcAft>
-              <a:buSzPct val="25000"/>
-              <a:buNone/>
-            </a:pPr>
-            <a:r>
-              <a:rPr lang="en-US" sz="1100" b="0" i="0" u="none" strike="noStrike" cap="none">
-                <a:solidFill>
-                  <a:schemeClr val="dk1"/>
-                </a:solidFill>
-                <a:latin typeface="Arial"/>
-                <a:ea typeface="Arial"/>
-                <a:cs typeface="Arial"/>
-                <a:sym typeface="Arial"/>
-              </a:rPr>
-              <a:t>Bruer, W. (2015). FBI sees Chinese involvement amid sharp rise in economic espionage cases. CNN Politics. July 24, 2015. Retrieved from http://www.cnn.com/2015/07/24/politics/fbi-economic-espionage/. </a:t>
-            </a:r>
-          </a:p>
-          <a:p>
-            <a:pPr marL="0" marR="0" lvl="0" indent="0" algn="l" rtl="0">
-              <a:spcBef>
-                <a:spcPts val="0"/>
-              </a:spcBef>
-              <a:spcAft>
-                <a:spcPts val="0"/>
-              </a:spcAft>
-              <a:buSzPct val="25000"/>
-              <a:buNone/>
-            </a:pPr>
-            <a:endParaRPr sz="1100" b="0" i="0" u="none" strike="noStrike" cap="none">
-              <a:solidFill>
-                <a:schemeClr val="dk1"/>
-              </a:solidFill>
-              <a:latin typeface="Arial"/>
-              <a:ea typeface="Arial"/>
-              <a:cs typeface="Arial"/>
-              <a:sym typeface="Arial"/>
-            </a:endParaRPr>
-          </a:p>
-          <a:p>
-            <a:pPr marL="0" marR="0" lvl="0" indent="0" algn="l" rtl="0">
-              <a:spcBef>
-                <a:spcPts val="0"/>
-              </a:spcBef>
-              <a:spcAft>
-                <a:spcPts val="0"/>
-              </a:spcAft>
-              <a:buSzPct val="25000"/>
-              <a:buNone/>
-            </a:pPr>
-            <a:r>
-              <a:rPr lang="en-US" sz="1100" b="0" i="0" u="none" strike="noStrike" cap="none">
-                <a:solidFill>
-                  <a:schemeClr val="dk1"/>
-                </a:solidFill>
-                <a:latin typeface="Arial"/>
-                <a:ea typeface="Arial"/>
-                <a:cs typeface="Arial"/>
-                <a:sym typeface="Arial"/>
-              </a:rPr>
-              <a:t>United States International Trade Commission. (2011).  China:  Effects of Intellectual Property Infringement and Indigenous Innovation Policies on the U.S. Economy. USITC Publication 4226. May 2011. Retrieved from https://www.usitc.gov/publications/332/pub4226.pdf.</a:t>
-            </a:r>
-          </a:p>
-          <a:p>
-            <a:pPr marL="0" marR="0" lvl="0" indent="0" algn="l" rtl="0">
-              <a:spcBef>
-                <a:spcPts val="0"/>
-              </a:spcBef>
-              <a:spcAft>
-                <a:spcPts val="0"/>
-              </a:spcAft>
-              <a:buSzPct val="25000"/>
-              <a:buNone/>
-            </a:pPr>
-            <a:endParaRPr sz="1100" b="0" i="0" u="none" strike="noStrike" cap="none">
-              <a:solidFill>
-                <a:schemeClr val="dk1"/>
-              </a:solidFill>
-              <a:latin typeface="Arial"/>
-              <a:ea typeface="Arial"/>
-              <a:cs typeface="Arial"/>
-              <a:sym typeface="Arial"/>
-            </a:endParaRPr>
-          </a:p>
-          <a:p>
-            <a:pPr marL="0" marR="0" lvl="0" indent="0" algn="l" rtl="0">
-              <a:spcBef>
-                <a:spcPts val="0"/>
-              </a:spcBef>
-              <a:buSzPct val="25000"/>
-              <a:buNone/>
-            </a:pPr>
-            <a:endParaRPr sz="1100" b="0" i="0" u="none" strike="noStrike" cap="none">
+              <a:t>Source: https://ustr.gov/sites/default/files/2023-04/2023%20Special%20301%20Report.pdf</a:t>
+            </a:r>
+            <a:endParaRPr sz="1100" b="0" i="0" u="none" strike="noStrike" cap="none" dirty="0">
               <a:solidFill>
                 <a:schemeClr val="dk1"/>
               </a:solidFill>
@@ -3893,7 +3785,7 @@
               <a:buNone/>
             </a:pPr>
             <a:r>
-              <a:rPr lang="en-US" sz="1100" b="0" i="0" u="none" strike="noStrike" cap="none">
+              <a:rPr lang="en-US" sz="1100" b="0" i="0" u="none" strike="noStrike" cap="none" dirty="0">
                 <a:solidFill>
                   <a:schemeClr val="dk1"/>
                 </a:solidFill>
@@ -3916,7 +3808,7 @@
               <a:buSzPct val="25000"/>
               <a:buNone/>
             </a:pPr>
-            <a:endParaRPr sz="1100" b="0" i="0" u="none" strike="noStrike" cap="none">
+            <a:endParaRPr sz="1100" b="0" i="0" u="none" strike="noStrike" cap="none" dirty="0">
               <a:solidFill>
                 <a:schemeClr val="dk1"/>
               </a:solidFill>
@@ -3938,7 +3830,7 @@
               <a:buNone/>
             </a:pPr>
             <a:r>
-              <a:rPr lang="en-US" sz="1100" b="0" i="0" u="none" strike="noStrike" cap="none">
+              <a:rPr lang="en-US" sz="1100" b="0" i="0" u="none" strike="noStrike" cap="none" dirty="0">
                 <a:solidFill>
                   <a:schemeClr val="dk1"/>
                 </a:solidFill>
@@ -3961,7 +3853,7 @@
               <a:buSzPct val="25000"/>
               <a:buNone/>
             </a:pPr>
-            <a:endParaRPr sz="1100" b="0" i="0" u="none" strike="noStrike" cap="none">
+            <a:endParaRPr sz="1100" b="0" i="0" u="none" strike="noStrike" cap="none" dirty="0">
               <a:solidFill>
                 <a:schemeClr val="dk1"/>
               </a:solidFill>
@@ -3983,7 +3875,7 @@
               <a:buNone/>
             </a:pPr>
             <a:r>
-              <a:rPr lang="en-US" sz="1100" b="0" i="0" u="none" strike="noStrike" cap="none">
+              <a:rPr lang="en-US" sz="1100" b="0" i="0" u="none" strike="noStrike" cap="none" dirty="0">
                 <a:solidFill>
                   <a:schemeClr val="dk1"/>
                 </a:solidFill>
@@ -4007,7 +3899,7 @@
               <a:buNone/>
             </a:pPr>
             <a:r>
-              <a:rPr lang="en-US" sz="1100" b="0" i="0" u="none" strike="noStrike" cap="none">
+              <a:rPr lang="en-US" sz="1100" b="0" i="0" u="none" strike="noStrike" cap="none" dirty="0">
                 <a:solidFill>
                   <a:schemeClr val="dk1"/>
                 </a:solidFill>
@@ -4031,7 +3923,7 @@
               <a:buNone/>
             </a:pPr>
             <a:r>
-              <a:rPr lang="en-US" sz="1100" b="0" i="0" u="none" strike="noStrike" cap="none">
+              <a:rPr lang="en-US" sz="1100" b="0" i="0" u="none" strike="noStrike" cap="none" dirty="0">
                 <a:solidFill>
                   <a:schemeClr val="dk1"/>
                 </a:solidFill>
@@ -4055,7 +3947,7 @@
               <a:buNone/>
             </a:pPr>
             <a:r>
-              <a:rPr lang="en-US" sz="1100" b="0" i="0" u="none" strike="noStrike" cap="none">
+              <a:rPr lang="en-US" sz="1100" b="0" i="0" u="none" strike="noStrike" cap="none" dirty="0">
                 <a:solidFill>
                   <a:schemeClr val="dk1"/>
                 </a:solidFill>
@@ -4079,7 +3971,7 @@
               <a:buNone/>
             </a:pPr>
             <a:r>
-              <a:rPr lang="en-US" sz="1100" b="0" i="0" u="none" strike="noStrike" cap="none">
+              <a:rPr lang="en-US" sz="1100" b="0" i="0" u="none" strike="noStrike" cap="none" dirty="0">
                 <a:solidFill>
                   <a:schemeClr val="dk1"/>
                 </a:solidFill>
@@ -4103,7 +3995,7 @@
               <a:buNone/>
             </a:pPr>
             <a:r>
-              <a:rPr lang="en-US" sz="1100" b="0" i="0" u="none" strike="noStrike" cap="none">
+              <a:rPr lang="en-US" sz="1100" b="0" i="0" u="none" strike="noStrike" cap="none" dirty="0">
                 <a:solidFill>
                   <a:schemeClr val="dk1"/>
                 </a:solidFill>
@@ -4126,7 +4018,7 @@
               <a:buSzPct val="25000"/>
               <a:buNone/>
             </a:pPr>
-            <a:endParaRPr sz="1100" b="0" i="0" u="none" strike="noStrike" cap="none">
+            <a:endParaRPr sz="1100" b="0" i="0" u="none" strike="noStrike" cap="none" dirty="0">
               <a:solidFill>
                 <a:schemeClr val="dk1"/>
               </a:solidFill>
@@ -4148,7 +4040,7 @@
               <a:buNone/>
             </a:pPr>
             <a:r>
-              <a:rPr lang="en-US" sz="1100" b="0" i="0" u="none" strike="noStrike" cap="none">
+              <a:rPr lang="en-US" sz="1100" b="0" i="0" u="none" strike="noStrike" cap="none" dirty="0">
                 <a:solidFill>
                   <a:schemeClr val="dk1"/>
                 </a:solidFill>
@@ -4172,7 +4064,7 @@
               <a:buNone/>
             </a:pPr>
             <a:r>
-              <a:rPr lang="en-US" sz="1100" b="0" i="0" u="none" strike="noStrike" cap="none">
+              <a:rPr lang="en-US" sz="1100" b="0" i="0" u="none" strike="noStrike" cap="none" dirty="0">
                 <a:solidFill>
                   <a:schemeClr val="dk1"/>
                 </a:solidFill>
@@ -4196,7 +4088,7 @@
               <a:buNone/>
             </a:pPr>
             <a:r>
-              <a:rPr lang="en-US" sz="1100" b="0" i="0" u="none" strike="noStrike" cap="none">
+              <a:rPr lang="en-US" sz="1100" b="0" i="0" u="none" strike="noStrike" cap="none" dirty="0">
                 <a:solidFill>
                   <a:schemeClr val="dk1"/>
                 </a:solidFill>
@@ -4220,7 +4112,7 @@
               <a:buNone/>
             </a:pPr>
             <a:r>
-              <a:rPr lang="en-US" sz="1100" b="0" i="0" u="none" strike="noStrike" cap="none">
+              <a:rPr lang="en-US" sz="1100" b="0" i="0" u="none" strike="noStrike" cap="none" dirty="0">
                 <a:solidFill>
                   <a:schemeClr val="dk1"/>
                 </a:solidFill>
@@ -4244,7 +4136,7 @@
               <a:buNone/>
             </a:pPr>
             <a:br>
-              <a:rPr lang="en-US" sz="1100" b="0" i="0" u="none" strike="noStrike" cap="none">
+              <a:rPr lang="en-US" sz="1100" b="0" i="0" u="none" strike="noStrike" cap="none" dirty="0">
                 <a:solidFill>
                   <a:schemeClr val="dk1"/>
                 </a:solidFill>
@@ -4255,7 +4147,7 @@
               </a:rPr>
             </a:br>
             <a:r>
-              <a:rPr lang="en-US" sz="1100" b="0" i="0" u="none" strike="noStrike" cap="none">
+              <a:rPr lang="en-US" sz="1100" b="0" i="0" u="none" strike="noStrike" cap="none" dirty="0">
                 <a:solidFill>
                   <a:schemeClr val="dk1"/>
                 </a:solidFill>
@@ -4279,7 +4171,7 @@
               <a:buNone/>
             </a:pPr>
             <a:r>
-              <a:rPr lang="en-US" sz="1100" b="0" i="0" u="none" strike="noStrike" cap="none">
+              <a:rPr lang="en-US" sz="1100" b="0" i="0" u="none" strike="noStrike" cap="none" dirty="0">
                 <a:solidFill>
                   <a:schemeClr val="dk1"/>
                 </a:solidFill>
@@ -4303,7 +4195,7 @@
               <a:buNone/>
             </a:pPr>
             <a:r>
-              <a:rPr lang="en-US" sz="1100" b="0" i="0" u="none" strike="noStrike" cap="none">
+              <a:rPr lang="en-US" sz="1100" b="0" i="0" u="none" strike="noStrike" cap="none" dirty="0">
                 <a:solidFill>
                   <a:schemeClr val="dk1"/>
                 </a:solidFill>
@@ -4327,7 +4219,7 @@
               <a:buNone/>
             </a:pPr>
             <a:r>
-              <a:rPr lang="en-US" sz="1100" b="0" i="0" u="none" strike="noStrike" cap="none">
+              <a:rPr lang="en-US" sz="1100" b="0" i="0" u="none" strike="noStrike" cap="none" dirty="0">
                 <a:solidFill>
                   <a:schemeClr val="dk1"/>
                 </a:solidFill>
@@ -4351,7 +4243,7 @@
               <a:buNone/>
             </a:pPr>
             <a:r>
-              <a:rPr lang="en-US" sz="1100" b="0" i="0" u="none" strike="noStrike" cap="none">
+              <a:rPr lang="en-US" sz="1100" b="0" i="0" u="none" strike="noStrike" cap="none" dirty="0">
                 <a:solidFill>
                   <a:schemeClr val="dk1"/>
                 </a:solidFill>
@@ -4375,7 +4267,7 @@
               <a:buNone/>
             </a:pPr>
             <a:r>
-              <a:rPr lang="en-US" sz="1100" b="0" i="0" u="none" strike="noStrike" cap="none">
+              <a:rPr lang="en-US" sz="1100" b="0" i="0" u="none" strike="noStrike" cap="none" dirty="0">
                 <a:solidFill>
                   <a:schemeClr val="dk1"/>
                 </a:solidFill>
@@ -4398,7 +4290,7 @@
               <a:buSzPct val="25000"/>
               <a:buNone/>
             </a:pPr>
-            <a:endParaRPr sz="1100" b="0" i="0" u="none" strike="noStrike" cap="none">
+            <a:endParaRPr sz="1100" b="0" i="0" u="none" strike="noStrike" cap="none" dirty="0">
               <a:solidFill>
                 <a:schemeClr val="dk1"/>
               </a:solidFill>
@@ -4420,7 +4312,7 @@
               <a:buNone/>
             </a:pPr>
             <a:r>
-              <a:rPr lang="en-US" sz="1100" b="0" i="0" u="none" strike="noStrike" cap="none">
+              <a:rPr lang="en-US" sz="1100" b="0" i="0" u="none" strike="noStrike" cap="none" dirty="0">
                 <a:solidFill>
                   <a:schemeClr val="dk1"/>
                 </a:solidFill>
@@ -4444,7 +4336,7 @@
               <a:buNone/>
             </a:pPr>
             <a:r>
-              <a:rPr lang="en-US" sz="1100" b="0" i="0" u="none" strike="noStrike" cap="none">
+              <a:rPr lang="en-US" sz="1100" b="0" i="0" u="none" strike="noStrike" cap="none" dirty="0">
                 <a:solidFill>
                   <a:schemeClr val="dk1"/>
                 </a:solidFill>
@@ -4468,7 +4360,7 @@
               <a:buNone/>
             </a:pPr>
             <a:r>
-              <a:rPr lang="en-US" sz="1100" b="0" i="0" u="none" strike="noStrike" cap="none">
+              <a:rPr lang="en-US" sz="1100" b="0" i="0" u="none" strike="noStrike" cap="none" dirty="0">
                 <a:solidFill>
                   <a:schemeClr val="dk1"/>
                 </a:solidFill>
@@ -4491,7 +4383,7 @@
               <a:buSzPct val="25000"/>
               <a:buNone/>
             </a:pPr>
-            <a:endParaRPr sz="1100" b="0" i="0" u="none" strike="noStrike" cap="none">
+            <a:endParaRPr sz="1100" b="0" i="0" u="none" strike="noStrike" cap="none" dirty="0">
               <a:solidFill>
                 <a:schemeClr val="dk1"/>
               </a:solidFill>
@@ -4509,7 +4401,7 @@
               <a:buSzPct val="25000"/>
               <a:buNone/>
             </a:pPr>
-            <a:endParaRPr sz="1100" b="0" i="0" u="none" strike="noStrike" cap="none">
+            <a:endParaRPr sz="1100" b="0" i="0" u="none" strike="noStrike" cap="none" dirty="0">
               <a:solidFill>
                 <a:schemeClr val="dk1"/>
               </a:solidFill>
@@ -4637,7 +4529,7 @@
               <a:buNone/>
             </a:pPr>
             <a:r>
-              <a:rPr lang="en-US" sz="1100" b="1" i="0" u="none" strike="noStrike" cap="none">
+              <a:rPr lang="en-US" sz="1100" b="0" i="0" u="none" strike="noStrike" cap="none" dirty="0">
                 <a:solidFill>
                   <a:schemeClr val="dk1"/>
                 </a:solidFill>
@@ -4646,19 +4538,7 @@
                 <a:cs typeface="Arial"/>
                 <a:sym typeface="Arial"/>
               </a:rPr>
-              <a:t>Suggested activity:  </a:t>
-            </a:r>
-            <a:r>
-              <a:rPr lang="en-US" sz="1100" b="0" i="0" u="none" strike="noStrike" cap="none">
-                <a:solidFill>
-                  <a:schemeClr val="dk1"/>
-                </a:solidFill>
-                <a:latin typeface="Arial"/>
-                <a:ea typeface="Arial"/>
-                <a:cs typeface="Arial"/>
-                <a:sym typeface="Arial"/>
-              </a:rPr>
-              <a:t>Using the terms on Slides 8 and 9, ask students to identify the scenarios that include threats, vulnerabilities, threat agents, and threat actions. As an example:</a:t>
+              <a:t>As an example:</a:t>
             </a:r>
           </a:p>
           <a:p>
@@ -4672,7 +4552,7 @@
               <a:buSzPct val="25000"/>
               <a:buNone/>
             </a:pPr>
-            <a:endParaRPr sz="1100" b="0" i="0" u="none" strike="noStrike" cap="none">
+            <a:endParaRPr sz="1100" b="0" i="0" u="none" strike="noStrike" cap="none" dirty="0">
               <a:solidFill>
                 <a:schemeClr val="dk1"/>
               </a:solidFill>
@@ -4691,7 +4571,7 @@
               <a:buNone/>
             </a:pPr>
             <a:r>
-              <a:rPr lang="en-US" sz="1100" b="0" i="0" u="none" strike="noStrike" cap="none">
+              <a:rPr lang="en-US" sz="1100" b="0" i="0" u="none" strike="noStrike" cap="none" dirty="0">
                 <a:solidFill>
                   <a:schemeClr val="dk1"/>
                 </a:solidFill>
@@ -4703,7 +4583,7 @@
               <a:t>A company has an online web application that allows customers to order products online. This connects to a database containing customer account information.  The </a:t>
             </a:r>
             <a:r>
-              <a:rPr lang="en-US" sz="1100" b="1" i="0" u="none" strike="noStrike" cap="none">
+              <a:rPr lang="en-US" sz="1100" b="1" i="0" u="none" strike="noStrike" cap="none" dirty="0">
                 <a:solidFill>
                   <a:schemeClr val="dk1"/>
                 </a:solidFill>
@@ -4715,7 +4595,7 @@
               <a:t>threat</a:t>
             </a:r>
             <a:r>
-              <a:rPr lang="en-US" sz="1100" b="0" i="0" u="none" strike="noStrike" cap="none">
+              <a:rPr lang="en-US" sz="1100" b="0" i="0" u="none" strike="noStrike" cap="none" dirty="0">
                 <a:solidFill>
                   <a:schemeClr val="dk1"/>
                 </a:solidFill>
@@ -4727,7 +4607,7 @@
               <a:t>, in this case, would be to the loss of that customer data.  The </a:t>
             </a:r>
             <a:r>
-              <a:rPr lang="en-US" sz="1100" b="1" i="0" u="none" strike="noStrike" cap="none">
+              <a:rPr lang="en-US" sz="1100" b="1" i="0" u="none" strike="noStrike" cap="none" dirty="0">
                 <a:solidFill>
                   <a:schemeClr val="dk1"/>
                 </a:solidFill>
@@ -4739,7 +4619,7 @@
               <a:t>vulnerability </a:t>
             </a:r>
             <a:r>
-              <a:rPr lang="en-US" sz="1100" b="0" i="0" u="none" strike="noStrike" cap="none">
+              <a:rPr lang="en-US" sz="1100" b="0" i="0" u="none" strike="noStrike" cap="none" dirty="0">
                 <a:solidFill>
                   <a:schemeClr val="dk1"/>
                 </a:solidFill>
@@ -4751,7 +4631,7 @@
               <a:t>would be a poorly designed web form that enables an attacker (the </a:t>
             </a:r>
             <a:r>
-              <a:rPr lang="en-US" sz="1100" b="1" i="0" u="none" strike="noStrike" cap="none">
+              <a:rPr lang="en-US" sz="1100" b="1" i="0" u="none" strike="noStrike" cap="none" dirty="0">
                 <a:solidFill>
                   <a:schemeClr val="dk1"/>
                 </a:solidFill>
@@ -4763,7 +4643,7 @@
               <a:t>threat agent</a:t>
             </a:r>
             <a:r>
-              <a:rPr lang="en-US" sz="1100" b="0" i="0" u="none" strike="noStrike" cap="none">
+              <a:rPr lang="en-US" sz="1100" b="0" i="0" u="none" strike="noStrike" cap="none" dirty="0">
                 <a:solidFill>
                   <a:schemeClr val="dk1"/>
                 </a:solidFill>
@@ -4775,7 +4655,7 @@
               <a:t>, in this example) to perform a SQL Injection attack and successfully gain access to customer data (</a:t>
             </a:r>
             <a:r>
-              <a:rPr lang="en-US" sz="1100" b="1" i="0" u="none" strike="noStrike" cap="none">
+              <a:rPr lang="en-US" sz="1100" b="1" i="0" u="none" strike="noStrike" cap="none" dirty="0">
                 <a:solidFill>
                   <a:schemeClr val="dk1"/>
                 </a:solidFill>
@@ -4787,7 +4667,7 @@
               <a:t>threat action</a:t>
             </a:r>
             <a:r>
-              <a:rPr lang="en-US" sz="1100" b="0" i="0" u="none" strike="noStrike" cap="none">
+              <a:rPr lang="en-US" sz="1100" b="0" i="0" u="none" strike="noStrike" cap="none" dirty="0">
                 <a:solidFill>
                   <a:schemeClr val="dk1"/>
                 </a:solidFill>
@@ -4799,7 +4679,7 @@
               <a:t>).   Results will differ depending on the student’s prior experience or knowledge. Encourage students to think of natural events, as well. For instance, an organization has a server that must be up 24/7.  A </a:t>
             </a:r>
             <a:r>
-              <a:rPr lang="en-US" sz="1100" b="1" i="0" u="none" strike="noStrike" cap="none">
+              <a:rPr lang="en-US" sz="1100" b="1" i="0" u="none" strike="noStrike" cap="none" dirty="0">
                 <a:solidFill>
                   <a:schemeClr val="dk1"/>
                 </a:solidFill>
@@ -4811,7 +4691,7 @@
               <a:t>threat</a:t>
             </a:r>
             <a:r>
-              <a:rPr lang="en-US" sz="1100" b="0" i="0" u="none" strike="noStrike" cap="none">
+              <a:rPr lang="en-US" sz="1100" b="0" i="0" u="none" strike="noStrike" cap="none" dirty="0">
                 <a:solidFill>
                   <a:schemeClr val="dk1"/>
                 </a:solidFill>
@@ -4823,7 +4703,7 @@
               <a:t> would be an event that would prevent the system from being up 24/7.  The </a:t>
             </a:r>
             <a:r>
-              <a:rPr lang="en-US" sz="1100" b="1" i="0" u="none" strike="noStrike" cap="none">
+              <a:rPr lang="en-US" sz="1100" b="1" i="0" u="none" strike="noStrike" cap="none" dirty="0">
                 <a:solidFill>
                   <a:schemeClr val="dk1"/>
                 </a:solidFill>
@@ -4835,7 +4715,7 @@
               <a:t>vulnerability</a:t>
             </a:r>
             <a:r>
-              <a:rPr lang="en-US" sz="1100" b="0" i="0" u="none" strike="noStrike" cap="none">
+              <a:rPr lang="en-US" sz="1100" b="0" i="0" u="none" strike="noStrike" cap="none" dirty="0">
                 <a:solidFill>
                   <a:schemeClr val="dk1"/>
                 </a:solidFill>
@@ -4847,7 +4727,7 @@
               <a:t> might be that the company is located in an area prone to ice storms. The </a:t>
             </a:r>
             <a:r>
-              <a:rPr lang="en-US" sz="1100" b="1" i="0" u="none" strike="noStrike" cap="none">
+              <a:rPr lang="en-US" sz="1100" b="1" i="0" u="none" strike="noStrike" cap="none" dirty="0">
                 <a:solidFill>
                   <a:schemeClr val="dk1"/>
                 </a:solidFill>
@@ -4859,7 +4739,7 @@
               <a:t>threat agent </a:t>
             </a:r>
             <a:r>
-              <a:rPr lang="en-US" sz="1100" b="0" i="0" u="none" strike="noStrike" cap="none">
+              <a:rPr lang="en-US" sz="1100" b="0" i="0" u="none" strike="noStrike" cap="none" dirty="0">
                 <a:solidFill>
                   <a:schemeClr val="dk1"/>
                 </a:solidFill>
@@ -4871,7 +4751,7 @@
               <a:t>and </a:t>
             </a:r>
             <a:r>
-              <a:rPr lang="en-US" sz="1100" b="1" i="0" u="none" strike="noStrike" cap="none">
+              <a:rPr lang="en-US" sz="1100" b="1" i="0" u="none" strike="noStrike" cap="none" dirty="0">
                 <a:solidFill>
                   <a:schemeClr val="dk1"/>
                 </a:solidFill>
@@ -4883,7 +4763,7 @@
               <a:t>threat action </a:t>
             </a:r>
             <a:r>
-              <a:rPr lang="en-US" sz="1100" b="0" i="0" u="none" strike="noStrike" cap="none">
+              <a:rPr lang="en-US" sz="1100" b="0" i="0" u="none" strike="noStrike" cap="none" dirty="0">
                 <a:solidFill>
                   <a:schemeClr val="dk1"/>
                 </a:solidFill>
@@ -10194,34 +10074,6 @@
           </a:bodyPr>
           <a:lstStyle/>
           <a:p>
-            <a:pPr marL="342900" marR="0" lvl="0" indent="-342900" algn="l" rtl="0">
-              <a:spcBef>
-                <a:spcPts val="0"/>
-              </a:spcBef>
-              <a:spcAft>
-                <a:spcPts val="0"/>
-              </a:spcAft>
-              <a:buClr>
-                <a:srgbClr val="2955A6"/>
-              </a:buClr>
-              <a:buSzPct val="100000"/>
-              <a:buFont typeface="Arial"/>
-              <a:buChar char="•"/>
-            </a:pPr>
-            <a:r>
-              <a:rPr lang="en-US" sz="2400" b="0" i="0" u="none" strike="noStrike" cap="none">
-                <a:solidFill>
-                  <a:srgbClr val="2955A6"/>
-                </a:solidFill>
-                <a:latin typeface="Calibri"/>
-                <a:ea typeface="Calibri"/>
-                <a:cs typeface="Calibri"/>
-                <a:sym typeface="Calibri"/>
-              </a:rPr>
-              <a:t>Upon the conclusion of this module, the student will be able to:</a:t>
-            </a:r>
-          </a:p>
-          <a:p>
             <a:pPr marL="742950" marR="0" lvl="1" indent="-285750" algn="l" rtl="0">
               <a:spcBef>
                 <a:spcPts val="480"/>
@@ -10246,7 +10098,19 @@
                 <a:cs typeface="Calibri"/>
                 <a:sym typeface="Calibri"/>
               </a:rPr>
-              <a:t>Identify the effect that cyber warfare and cybercrime can have on society and an organization.   </a:t>
+              <a:t>Identify </a:t>
+            </a:r>
+            <a:r>
+              <a:rPr lang="en-US" sz="2400" b="0" i="0" u="none" strike="noStrike" cap="none" dirty="0">
+                <a:solidFill>
+                  <a:srgbClr val="2955A6"/>
+                </a:solidFill>
+                <a:latin typeface="Calibri"/>
+                <a:ea typeface="Calibri"/>
+                <a:cs typeface="Calibri"/>
+                <a:sym typeface="Calibri"/>
+              </a:rPr>
+              <a:t>the effect that cyber warfare and cybercrime can have on society and an organization.   </a:t>
             </a:r>
           </a:p>
           <a:p>
@@ -10265,7 +10129,7 @@
               <a:buChar char="–"/>
             </a:pPr>
             <a:r>
-              <a:rPr lang="en-US" sz="2400" b="0" i="0" u="none" strike="noStrike" cap="none">
+              <a:rPr lang="en-US" sz="2400" b="0" i="0" u="none" strike="noStrike" cap="none" dirty="0">
                 <a:solidFill>
                   <a:srgbClr val="2955A6"/>
                 </a:solidFill>
@@ -10293,7 +10157,7 @@
               <a:buChar char="–"/>
             </a:pPr>
             <a:r>
-              <a:rPr lang="en-US" sz="2400" b="0" i="0" u="none" strike="noStrike" cap="none">
+              <a:rPr lang="en-US" sz="2400" b="0" i="0" u="none" strike="noStrike" cap="none" dirty="0">
                 <a:solidFill>
                   <a:srgbClr val="2955A6"/>
                 </a:solidFill>
@@ -10321,7 +10185,7 @@
               <a:buChar char="–"/>
             </a:pPr>
             <a:r>
-              <a:rPr lang="en-US" sz="2400" b="0" i="0" u="none" strike="noStrike" cap="none">
+              <a:rPr lang="en-US" sz="2400" b="0" i="0" u="none" strike="noStrike" cap="none" dirty="0">
                 <a:solidFill>
                   <a:srgbClr val="2955A6"/>
                 </a:solidFill>
@@ -10345,7 +10209,7 @@
               <a:buFont typeface="Arial"/>
               <a:buNone/>
             </a:pPr>
-            <a:endParaRPr sz="2800" b="0" i="0" u="none" strike="noStrike" cap="none">
+            <a:endParaRPr sz="2800" b="0" i="0" u="none" strike="noStrike" cap="none" dirty="0">
               <a:solidFill>
                 <a:srgbClr val="2955A6"/>
               </a:solidFill>
